--- a/doc/01.基金会.pptx
+++ b/doc/01.基金会.pptx
@@ -4928,7 +4928,7 @@
                   <a:latin typeface="Consolas" panose="020B0609020204030204" pitchFamily="49" charset="0"/>
                   <a:ea typeface="微软雅黑" panose="020B0503020204020204" pitchFamily="34" charset="-122"/>
                 </a:rPr>
-                <a:t>普通会员</a:t>
+                <a:t>会员</a:t>
               </a:r>
               <a:endParaRPr lang="zh-CN" altLang="en-US"/>
             </a:p>
@@ -5826,7 +5826,7 @@
                 <a:latin typeface="微软雅黑" panose="020B0503020204020204" pitchFamily="34" charset="-122"/>
                 <a:ea typeface="微软雅黑" panose="020B0503020204020204" pitchFamily="34" charset="-122"/>
               </a:rPr>
-              <a:t>查找申请</a:t>
+              <a:t>查看申请</a:t>
             </a:r>
             <a:endParaRPr lang="en-US" altLang="zh-CN" sz="1600" b="1">
               <a:solidFill>

--- a/doc/01.基金会.pptx
+++ b/doc/01.基金会.pptx
@@ -280,7 +280,7 @@
           <a:p>
             <a:fld id="{1B7BBEA4-24BC-4F9A-BA49-26A596A24E96}" type="datetimeFigureOut">
               <a:rPr lang="zh-CN" altLang="en-US" smtClean="0"/>
-              <a:t>2021/4/14</a:t>
+              <a:t>2021/5/1</a:t>
             </a:fld>
             <a:endParaRPr lang="zh-CN" altLang="en-US"/>
           </a:p>
@@ -478,7 +478,7 @@
           <a:p>
             <a:fld id="{1B7BBEA4-24BC-4F9A-BA49-26A596A24E96}" type="datetimeFigureOut">
               <a:rPr lang="zh-CN" altLang="en-US" smtClean="0"/>
-              <a:t>2021/4/14</a:t>
+              <a:t>2021/5/1</a:t>
             </a:fld>
             <a:endParaRPr lang="zh-CN" altLang="en-US"/>
           </a:p>
@@ -686,7 +686,7 @@
           <a:p>
             <a:fld id="{1B7BBEA4-24BC-4F9A-BA49-26A596A24E96}" type="datetimeFigureOut">
               <a:rPr lang="zh-CN" altLang="en-US" smtClean="0"/>
-              <a:t>2021/4/14</a:t>
+              <a:t>2021/5/1</a:t>
             </a:fld>
             <a:endParaRPr lang="zh-CN" altLang="en-US"/>
           </a:p>
@@ -884,7 +884,7 @@
           <a:p>
             <a:fld id="{1B7BBEA4-24BC-4F9A-BA49-26A596A24E96}" type="datetimeFigureOut">
               <a:rPr lang="zh-CN" altLang="en-US" smtClean="0"/>
-              <a:t>2021/4/14</a:t>
+              <a:t>2021/5/1</a:t>
             </a:fld>
             <a:endParaRPr lang="zh-CN" altLang="en-US"/>
           </a:p>
@@ -1159,7 +1159,7 @@
           <a:p>
             <a:fld id="{1B7BBEA4-24BC-4F9A-BA49-26A596A24E96}" type="datetimeFigureOut">
               <a:rPr lang="zh-CN" altLang="en-US" smtClean="0"/>
-              <a:t>2021/4/14</a:t>
+              <a:t>2021/5/1</a:t>
             </a:fld>
             <a:endParaRPr lang="zh-CN" altLang="en-US"/>
           </a:p>
@@ -1424,7 +1424,7 @@
           <a:p>
             <a:fld id="{1B7BBEA4-24BC-4F9A-BA49-26A596A24E96}" type="datetimeFigureOut">
               <a:rPr lang="zh-CN" altLang="en-US" smtClean="0"/>
-              <a:t>2021/4/14</a:t>
+              <a:t>2021/5/1</a:t>
             </a:fld>
             <a:endParaRPr lang="zh-CN" altLang="en-US"/>
           </a:p>
@@ -1836,7 +1836,7 @@
           <a:p>
             <a:fld id="{1B7BBEA4-24BC-4F9A-BA49-26A596A24E96}" type="datetimeFigureOut">
               <a:rPr lang="zh-CN" altLang="en-US" smtClean="0"/>
-              <a:t>2021/4/14</a:t>
+              <a:t>2021/5/1</a:t>
             </a:fld>
             <a:endParaRPr lang="zh-CN" altLang="en-US"/>
           </a:p>
@@ -1977,7 +1977,7 @@
           <a:p>
             <a:fld id="{1B7BBEA4-24BC-4F9A-BA49-26A596A24E96}" type="datetimeFigureOut">
               <a:rPr lang="zh-CN" altLang="en-US" smtClean="0"/>
-              <a:t>2021/4/14</a:t>
+              <a:t>2021/5/1</a:t>
             </a:fld>
             <a:endParaRPr lang="zh-CN" altLang="en-US"/>
           </a:p>
@@ -2090,7 +2090,7 @@
           <a:p>
             <a:fld id="{1B7BBEA4-24BC-4F9A-BA49-26A596A24E96}" type="datetimeFigureOut">
               <a:rPr lang="zh-CN" altLang="en-US" smtClean="0"/>
-              <a:t>2021/4/14</a:t>
+              <a:t>2021/5/1</a:t>
             </a:fld>
             <a:endParaRPr lang="zh-CN" altLang="en-US"/>
           </a:p>
@@ -2401,7 +2401,7 @@
           <a:p>
             <a:fld id="{1B7BBEA4-24BC-4F9A-BA49-26A596A24E96}" type="datetimeFigureOut">
               <a:rPr lang="zh-CN" altLang="en-US" smtClean="0"/>
-              <a:t>2021/4/14</a:t>
+              <a:t>2021/5/1</a:t>
             </a:fld>
             <a:endParaRPr lang="zh-CN" altLang="en-US"/>
           </a:p>
@@ -2689,7 +2689,7 @@
           <a:p>
             <a:fld id="{1B7BBEA4-24BC-4F9A-BA49-26A596A24E96}" type="datetimeFigureOut">
               <a:rPr lang="zh-CN" altLang="en-US" smtClean="0"/>
-              <a:t>2021/4/14</a:t>
+              <a:t>2021/5/1</a:t>
             </a:fld>
             <a:endParaRPr lang="zh-CN" altLang="en-US"/>
           </a:p>
@@ -2930,7 +2930,7 @@
           <a:p>
             <a:fld id="{1B7BBEA4-24BC-4F9A-BA49-26A596A24E96}" type="datetimeFigureOut">
               <a:rPr lang="zh-CN" altLang="en-US" smtClean="0"/>
-              <a:t>2021/4/14</a:t>
+              <a:t>2021/5/1</a:t>
             </a:fld>
             <a:endParaRPr lang="zh-CN" altLang="en-US"/>
           </a:p>
@@ -3539,7 +3539,7 @@
                   <a:latin typeface="Consolas" panose="020B0609020204030204" pitchFamily="49" charset="0"/>
                   <a:ea typeface="微软雅黑" panose="020B0503020204020204" pitchFamily="34" charset="-122"/>
                 </a:rPr>
-                <a:t>申请成为会员</a:t>
+                <a:t>申请成为基金会</a:t>
               </a:r>
               <a:endParaRPr lang="zh-CN" altLang="en-US"/>
             </a:p>
@@ -3963,7 +3963,7 @@
                   <a:latin typeface="Consolas" panose="020B0609020204030204" pitchFamily="49" charset="0"/>
                   <a:ea typeface="微软雅黑" panose="020B0503020204020204" pitchFamily="34" charset="-122"/>
                 </a:rPr>
-                <a:t>申请成为会员</a:t>
+                <a:t>申请成为基金会</a:t>
               </a:r>
               <a:endParaRPr lang="zh-CN" altLang="en-US"/>
             </a:p>
@@ -4610,7 +4610,7 @@
                   <a:latin typeface="Consolas" panose="020B0609020204030204" pitchFamily="49" charset="0"/>
                   <a:ea typeface="微软雅黑" panose="020B0503020204020204" pitchFamily="34" charset="-122"/>
                 </a:rPr>
-                <a:t>会员</a:t>
+                <a:t>基金会</a:t>
               </a:r>
               <a:endParaRPr lang="zh-CN" altLang="en-US"/>
             </a:p>
@@ -4928,7 +4928,7 @@
                   <a:latin typeface="Consolas" panose="020B0609020204030204" pitchFamily="49" charset="0"/>
                   <a:ea typeface="微软雅黑" panose="020B0503020204020204" pitchFamily="34" charset="-122"/>
                 </a:rPr>
-                <a:t>会员</a:t>
+                <a:t>基金会</a:t>
               </a:r>
               <a:endParaRPr lang="zh-CN" altLang="en-US"/>
             </a:p>
@@ -5420,7 +5420,7 @@
                 <a:latin typeface="微软雅黑" panose="020B0503020204020204" pitchFamily="34" charset="-122"/>
                 <a:ea typeface="微软雅黑" panose="020B0503020204020204" pitchFamily="34" charset="-122"/>
               </a:rPr>
-              <a:t>会员</a:t>
+              <a:t>基金会</a:t>
             </a:r>
           </a:p>
         </p:txBody>
@@ -5763,7 +5763,7 @@
                 <a:latin typeface="微软雅黑" panose="020B0503020204020204" pitchFamily="34" charset="-122"/>
                 <a:ea typeface="微软雅黑" panose="020B0503020204020204" pitchFamily="34" charset="-122"/>
               </a:rPr>
-              <a:t>会员</a:t>
+              <a:t>基金会</a:t>
             </a:r>
           </a:p>
         </p:txBody>
@@ -5972,7 +5972,7 @@
                 <a:latin typeface="微软雅黑" panose="020B0503020204020204" pitchFamily="34" charset="-122"/>
                 <a:ea typeface="微软雅黑" panose="020B0503020204020204" pitchFamily="34" charset="-122"/>
               </a:rPr>
-              <a:t>会员</a:t>
+              <a:t>基金会</a:t>
             </a:r>
           </a:p>
         </p:txBody>
@@ -7058,7 +7058,7 @@
         <p:spPr>
           <a:xfrm>
             <a:off x="712379" y="173975"/>
-            <a:ext cx="2236510" cy="584775"/>
+            <a:ext cx="2646878" cy="584775"/>
           </a:xfrm>
           <a:prstGeom prst="rect">
             <a:avLst/>
@@ -7076,7 +7076,7 @@
                 <a:latin typeface="Consolas" panose="020B0609020204030204" pitchFamily="49" charset="0"/>
                 <a:ea typeface="微软雅黑" panose="020B0503020204020204" pitchFamily="34" charset="-122"/>
               </a:rPr>
-              <a:t>会员表结构</a:t>
+              <a:t>基金会表结构</a:t>
             </a:r>
           </a:p>
         </p:txBody>
@@ -7141,7 +7141,7 @@
                 <a:latin typeface="微软雅黑" panose="020B0503020204020204" pitchFamily="34" charset="-122"/>
                 <a:ea typeface="微软雅黑" panose="020B0503020204020204" pitchFamily="34" charset="-122"/>
               </a:rPr>
-              <a:t>会员表</a:t>
+              <a:t>基金会表</a:t>
             </a:r>
             <a:endParaRPr lang="en-US" altLang="zh-CN" b="1">
               <a:solidFill>
@@ -7187,8 +7187,8 @@
         </p:nvSpPr>
         <p:spPr>
           <a:xfrm>
-            <a:off x="712380" y="2194317"/>
-            <a:ext cx="2861244" cy="1023471"/>
+            <a:off x="712379" y="2194317"/>
+            <a:ext cx="3916181" cy="1651815"/>
           </a:xfrm>
           <a:prstGeom prst="roundRect">
             <a:avLst>
@@ -7231,7 +7231,7 @@
                 <a:latin typeface="微软雅黑" panose="020B0503020204020204" pitchFamily="34" charset="-122"/>
                 <a:ea typeface="微软雅黑" panose="020B0503020204020204" pitchFamily="34" charset="-122"/>
               </a:rPr>
-              <a:t>会员</a:t>
+              <a:t>基金会</a:t>
             </a:r>
             <a:r>
               <a:rPr lang="en-US" altLang="zh-CN" sz="1400" b="1">
@@ -7253,7 +7253,7 @@
                 <a:latin typeface="微软雅黑" panose="020B0503020204020204" pitchFamily="34" charset="-122"/>
                 <a:ea typeface="微软雅黑" panose="020B0503020204020204" pitchFamily="34" charset="-122"/>
               </a:rPr>
-              <a:t>会员类型 </a:t>
+              <a:t>基金会类型 </a:t>
             </a:r>
             <a:r>
               <a:rPr lang="en-US" altLang="zh-CN" sz="1400" b="1">
@@ -7273,7 +7273,7 @@
                 <a:latin typeface="微软雅黑" panose="020B0503020204020204" pitchFamily="34" charset="-122"/>
                 <a:ea typeface="微软雅黑" panose="020B0503020204020204" pitchFamily="34" charset="-122"/>
               </a:rPr>
-              <a:t>普通会员</a:t>
+              <a:t>普通基金会</a:t>
             </a:r>
             <a:r>
               <a:rPr lang="en-US" altLang="zh-CN" sz="1400" b="1">
@@ -7305,6 +7305,49 @@
               </a:rPr>
               <a:t>]</a:t>
             </a:r>
+          </a:p>
+          <a:p>
+            <a:r>
+              <a:rPr lang="zh-CN" altLang="en-US" sz="1400" b="1">
+                <a:solidFill>
+                  <a:schemeClr val="tx1"/>
+                </a:solidFill>
+                <a:latin typeface="微软雅黑" panose="020B0503020204020204" pitchFamily="34" charset="-122"/>
+                <a:ea typeface="微软雅黑" panose="020B0503020204020204" pitchFamily="34" charset="-122"/>
+              </a:rPr>
+              <a:t>描述</a:t>
+            </a:r>
+          </a:p>
+          <a:p>
+            <a:r>
+              <a:rPr lang="zh-CN" altLang="en-US" sz="1400" b="1">
+                <a:solidFill>
+                  <a:schemeClr val="tx1"/>
+                </a:solidFill>
+                <a:latin typeface="微软雅黑" panose="020B0503020204020204" pitchFamily="34" charset="-122"/>
+                <a:ea typeface="微软雅黑" panose="020B0503020204020204" pitchFamily="34" charset="-122"/>
+              </a:rPr>
+              <a:t>地址</a:t>
+            </a:r>
+          </a:p>
+          <a:p>
+            <a:r>
+              <a:rPr lang="zh-CN" altLang="en-US" sz="1400" b="1">
+                <a:solidFill>
+                  <a:schemeClr val="tx1"/>
+                </a:solidFill>
+                <a:latin typeface="微软雅黑" panose="020B0503020204020204" pitchFamily="34" charset="-122"/>
+                <a:ea typeface="微软雅黑" panose="020B0503020204020204" pitchFamily="34" charset="-122"/>
+              </a:rPr>
+              <a:t>申请时间</a:t>
+            </a:r>
+            <a:endParaRPr lang="en-US" altLang="zh-CN" sz="1400" b="1">
+              <a:solidFill>
+                <a:schemeClr val="tx1"/>
+              </a:solidFill>
+              <a:latin typeface="微软雅黑" panose="020B0503020204020204" pitchFamily="34" charset="-122"/>
+              <a:ea typeface="微软雅黑" panose="020B0503020204020204" pitchFamily="34" charset="-122"/>
+            </a:endParaRPr>
           </a:p>
           <a:p>
             <a:r>
@@ -8017,7 +8060,7 @@
                 <a:latin typeface="微软雅黑" panose="020B0503020204020204" pitchFamily="34" charset="-122"/>
                 <a:ea typeface="微软雅黑" panose="020B0503020204020204" pitchFamily="34" charset="-122"/>
               </a:rPr>
-              <a:t>会员个数</a:t>
+              <a:t>基金会个数</a:t>
             </a:r>
             <a:endParaRPr lang="en-US" altLang="zh-CN" sz="1400" b="1">
               <a:solidFill>
@@ -8036,7 +8079,7 @@
                 <a:latin typeface="微软雅黑" panose="020B0503020204020204" pitchFamily="34" charset="-122"/>
                 <a:ea typeface="微软雅黑" panose="020B0503020204020204" pitchFamily="34" charset="-122"/>
               </a:rPr>
-              <a:t>会员列表 </a:t>
+              <a:t>基金会列表 </a:t>
             </a:r>
             <a:r>
               <a:rPr lang="en-US" altLang="zh-CN" sz="1400" b="1">
@@ -8058,7 +8101,7 @@
                 <a:latin typeface="微软雅黑" panose="020B0503020204020204" pitchFamily="34" charset="-122"/>
                 <a:ea typeface="微软雅黑" panose="020B0503020204020204" pitchFamily="34" charset="-122"/>
               </a:rPr>
-              <a:t>会员结论 </a:t>
+              <a:t>基金会结论 </a:t>
             </a:r>
             <a:r>
               <a:rPr lang="en-US" altLang="zh-CN" sz="1400" b="1">
@@ -8714,7 +8757,7 @@
                 <a:latin typeface="微软雅黑" panose="020B0503020204020204" pitchFamily="34" charset="-122"/>
                 <a:ea typeface="微软雅黑" panose="020B0503020204020204" pitchFamily="34" charset="-122"/>
               </a:rPr>
-              <a:t>会员</a:t>
+              <a:t>基金会</a:t>
             </a:r>
           </a:p>
         </p:txBody>
@@ -9197,7 +9240,7 @@
         <p:spPr>
           <a:xfrm>
             <a:off x="712379" y="173975"/>
-            <a:ext cx="2646878" cy="584775"/>
+            <a:ext cx="3057247" cy="584775"/>
           </a:xfrm>
           <a:prstGeom prst="rect">
             <a:avLst/>
@@ -9215,7 +9258,7 @@
                 <a:latin typeface="Consolas" panose="020B0609020204030204" pitchFamily="49" charset="0"/>
                 <a:ea typeface="微软雅黑" panose="020B0503020204020204" pitchFamily="34" charset="-122"/>
               </a:rPr>
-              <a:t>申请成为会员</a:t>
+              <a:t>申请成为基金会</a:t>
             </a:r>
           </a:p>
         </p:txBody>
@@ -9326,7 +9369,7 @@
                 <a:latin typeface="微软雅黑" panose="020B0503020204020204" pitchFamily="34" charset="-122"/>
                 <a:ea typeface="微软雅黑" panose="020B0503020204020204" pitchFamily="34" charset="-122"/>
               </a:rPr>
-              <a:t>会员表</a:t>
+              <a:t>基金会表</a:t>
             </a:r>
             <a:endParaRPr lang="en-US" altLang="zh-CN" sz="1600" b="1">
               <a:solidFill>
@@ -9444,7 +9487,7 @@
                 <a:latin typeface="微软雅黑" panose="020B0503020204020204" pitchFamily="34" charset="-122"/>
                 <a:ea typeface="微软雅黑" panose="020B0503020204020204" pitchFamily="34" charset="-122"/>
               </a:rPr>
-              <a:t>会员表</a:t>
+              <a:t>基金会表</a:t>
             </a:r>
             <a:endParaRPr lang="en-US" altLang="zh-CN" sz="1600" b="1">
               <a:solidFill>
@@ -9534,7 +9577,7 @@
                 <a:latin typeface="微软雅黑" panose="020B0503020204020204" pitchFamily="34" charset="-122"/>
                 <a:ea typeface="微软雅黑" panose="020B0503020204020204" pitchFamily="34" charset="-122"/>
               </a:rPr>
-              <a:t>会员</a:t>
+              <a:t>基金会</a:t>
             </a:r>
           </a:p>
         </p:txBody>
@@ -9691,7 +9734,7 @@
                 <a:latin typeface="微软雅黑" panose="020B0503020204020204" pitchFamily="34" charset="-122"/>
                 <a:ea typeface="微软雅黑" panose="020B0503020204020204" pitchFamily="34" charset="-122"/>
               </a:rPr>
-              <a:t>会员表</a:t>
+              <a:t>基金会表</a:t>
             </a:r>
             <a:endParaRPr lang="en-US" altLang="zh-CN" sz="1600" b="1">
               <a:solidFill>
@@ -9871,7 +9914,7 @@
                 <a:latin typeface="微软雅黑" panose="020B0503020204020204" pitchFamily="34" charset="-122"/>
                 <a:ea typeface="微软雅黑" panose="020B0503020204020204" pitchFamily="34" charset="-122"/>
               </a:rPr>
-              <a:t>会员表</a:t>
+              <a:t>基金会表</a:t>
             </a:r>
             <a:endParaRPr lang="en-US" altLang="zh-CN" sz="1600" b="1">
               <a:solidFill>
@@ -10234,7 +10277,7 @@
                 <a:latin typeface="微软雅黑" panose="020B0503020204020204" pitchFamily="34" charset="-122"/>
                 <a:ea typeface="微软雅黑" panose="020B0503020204020204" pitchFamily="34" charset="-122"/>
               </a:rPr>
-              <a:t>会员表</a:t>
+              <a:t>基金会表</a:t>
             </a:r>
             <a:endParaRPr lang="en-US" altLang="zh-CN" sz="1600" b="1">
               <a:solidFill>
